--- a/ReportIntroAndData.pptx
+++ b/ReportIntroAndData.pptx
@@ -12,6 +12,7 @@
     <p:sldId id="260" r:id="rId6"/>
     <p:sldId id="257" r:id="rId7"/>
     <p:sldId id="261" r:id="rId8"/>
+    <p:sldId id="263" r:id="rId9"/>
   </p:sldIdLst>
   <p:sldSz cx="12192000" cy="6858000"/>
   <p:notesSz cx="6858000" cy="9144000"/>
@@ -343,7 +344,7 @@
             <a:fld id="{5586B75A-687E-405C-8A0B-8D00578BA2C3}" type="datetimeFigureOut">
               <a:rPr lang="en-US" dirty="0"/>
               <a:pPr/>
-              <a:t>10/17/18</a:t>
+              <a:t>10/22/18</a:t>
             </a:fld>
             <a:endParaRPr lang="en-US" dirty="0"/>
           </a:p>
@@ -510,7 +511,7 @@
             <a:fld id="{5586B75A-687E-405C-8A0B-8D00578BA2C3}" type="datetimeFigureOut">
               <a:rPr lang="en-US" dirty="0"/>
               <a:pPr/>
-              <a:t>10/17/18</a:t>
+              <a:t>10/22/18</a:t>
             </a:fld>
             <a:endParaRPr lang="en-US" dirty="0"/>
           </a:p>
@@ -687,7 +688,7 @@
             <a:fld id="{5586B75A-687E-405C-8A0B-8D00578BA2C3}" type="datetimeFigureOut">
               <a:rPr lang="en-US" dirty="0"/>
               <a:pPr/>
-              <a:t>10/17/18</a:t>
+              <a:t>10/22/18</a:t>
             </a:fld>
             <a:endParaRPr lang="en-US" dirty="0"/>
           </a:p>
@@ -854,7 +855,7 @@
             <a:fld id="{5586B75A-687E-405C-8A0B-8D00578BA2C3}" type="datetimeFigureOut">
               <a:rPr lang="en-US" dirty="0"/>
               <a:pPr/>
-              <a:t>10/17/18</a:t>
+              <a:t>10/22/18</a:t>
             </a:fld>
             <a:endParaRPr lang="en-US" dirty="0"/>
           </a:p>
@@ -1109,7 +1110,7 @@
             <a:fld id="{5586B75A-687E-405C-8A0B-8D00578BA2C3}" type="datetimeFigureOut">
               <a:rPr lang="en-US" dirty="0"/>
               <a:pPr/>
-              <a:t>10/17/18</a:t>
+              <a:t>10/22/18</a:t>
             </a:fld>
             <a:endParaRPr lang="en-US" dirty="0"/>
           </a:p>
@@ -1394,7 +1395,7 @@
             <a:fld id="{5586B75A-687E-405C-8A0B-8D00578BA2C3}" type="datetimeFigureOut">
               <a:rPr lang="en-US" dirty="0"/>
               <a:pPr/>
-              <a:t>10/17/18</a:t>
+              <a:t>10/22/18</a:t>
             </a:fld>
             <a:endParaRPr lang="en-US" dirty="0"/>
           </a:p>
@@ -1833,7 +1834,7 @@
             <a:fld id="{5586B75A-687E-405C-8A0B-8D00578BA2C3}" type="datetimeFigureOut">
               <a:rPr lang="en-US" dirty="0"/>
               <a:pPr/>
-              <a:t>10/17/18</a:t>
+              <a:t>10/22/18</a:t>
             </a:fld>
             <a:endParaRPr lang="en-US" dirty="0"/>
           </a:p>
@@ -1948,7 +1949,7 @@
             <a:fld id="{5586B75A-687E-405C-8A0B-8D00578BA2C3}" type="datetimeFigureOut">
               <a:rPr lang="en-US" dirty="0"/>
               <a:pPr/>
-              <a:t>10/17/18</a:t>
+              <a:t>10/22/18</a:t>
             </a:fld>
             <a:endParaRPr lang="en-US" dirty="0"/>
           </a:p>
@@ -2040,7 +2041,7 @@
             <a:fld id="{5586B75A-687E-405C-8A0B-8D00578BA2C3}" type="datetimeFigureOut">
               <a:rPr lang="en-US" dirty="0"/>
               <a:pPr/>
-              <a:t>10/17/18</a:t>
+              <a:t>10/22/18</a:t>
             </a:fld>
             <a:endParaRPr lang="en-US" dirty="0"/>
           </a:p>
@@ -2325,7 +2326,7 @@
             <a:fld id="{5586B75A-687E-405C-8A0B-8D00578BA2C3}" type="datetimeFigureOut">
               <a:rPr lang="en-US" dirty="0"/>
               <a:pPr/>
-              <a:t>10/17/18</a:t>
+              <a:t>10/22/18</a:t>
             </a:fld>
             <a:endParaRPr lang="en-US" dirty="0"/>
           </a:p>
@@ -2595,7 +2596,7 @@
             <a:fld id="{5586B75A-687E-405C-8A0B-8D00578BA2C3}" type="datetimeFigureOut">
               <a:rPr lang="en-US" dirty="0"/>
               <a:pPr/>
-              <a:t>10/17/18</a:t>
+              <a:t>10/22/18</a:t>
             </a:fld>
             <a:endParaRPr lang="en-US" dirty="0"/>
           </a:p>
@@ -2889,7 +2890,7 @@
             <a:fld id="{5586B75A-687E-405C-8A0B-8D00578BA2C3}" type="datetimeFigureOut">
               <a:rPr lang="en-US" dirty="0"/>
               <a:pPr/>
-              <a:t>10/17/18</a:t>
+              <a:t>10/22/18</a:t>
             </a:fld>
             <a:endParaRPr lang="en-US" dirty="0"/>
           </a:p>
@@ -3393,15 +3394,7 @@
           <a:p>
             <a:r>
               <a:rPr lang="en-US" dirty="0"/>
-              <a:t>Effects of socio-economic factors on social clustering of </a:t>
-            </a:r>
-            <a:r>
-              <a:rPr lang="en-US" dirty="0" err="1"/>
-              <a:t>european</a:t>
-            </a:r>
-            <a:r>
-              <a:rPr lang="en-US" dirty="0"/>
-              <a:t> landmarks</a:t>
+              <a:t>Find the best European landmarks for development opportunities.</a:t>
             </a:r>
           </a:p>
         </p:txBody>
@@ -3431,15 +3424,7 @@
           <a:p>
             <a:r>
               <a:rPr lang="en-US" dirty="0"/>
-              <a:t>Assessing the effect of socio-economic data on the clustering of </a:t>
-            </a:r>
-            <a:r>
-              <a:rPr lang="en-US" dirty="0" err="1"/>
-              <a:t>european</a:t>
-            </a:r>
-            <a:r>
-              <a:rPr lang="en-US" dirty="0"/>
-              <a:t> landmarks as initially determined by social feedback on venues in close proximity.</a:t>
+              <a:t>Identify popular European landmarks, whose popularity remains independent of local socio-economic factors, and use this to recommend development opportunities.</a:t>
             </a:r>
           </a:p>
         </p:txBody>
@@ -3538,15 +3523,15 @@
             </a:pPr>
             <a:r>
               <a:rPr lang="en-US" dirty="0"/>
-              <a:t>Investigate the role socio-economic factors have in the development of areas around </a:t>
+              <a:t>Provide visual feedback as to the effect socio-economic information has on the clustering of popular </a:t>
             </a:r>
             <a:r>
               <a:rPr lang="en-US" dirty="0" err="1"/>
-              <a:t>Eurpoean</a:t>
-            </a:r>
-            <a:r>
-              <a:rPr lang="en-US" dirty="0"/>
-              <a:t> Landmarks, by looking at their effects on landmark clustering.</a:t>
+              <a:t>european</a:t>
+            </a:r>
+            <a:r>
+              <a:rPr lang="en-US" dirty="0"/>
+              <a:t> landmarks, initially clustered just by price and rating.</a:t>
             </a:r>
           </a:p>
           <a:p>
@@ -3564,7 +3549,7 @@
             </a:pPr>
             <a:r>
               <a:rPr lang="en-US" dirty="0"/>
-              <a:t>Quickly assess the degree to which landmark popularity is independent of socio-economic factors. If determined to be independent, then this in turn can be used to </a:t>
+              <a:t>Quickly identify landmarks around which a high price and rating is independent of socio-economic factors. This in turn can be used to </a:t>
             </a:r>
             <a:r>
               <a:rPr lang="en-US" dirty="0" err="1"/>
@@ -3778,7 +3763,7 @@
             </a:pPr>
             <a:r>
               <a:rPr lang="en-US" dirty="0"/>
-              <a:t>Where there is a disparity in landmark price and popularity and city economics, this may also be used as an indicator for Travel companies that better value is available for their customers at a small distance from the landmark. This is information they could both use for booking hotels (for example) and pass on to their customers for selecting restaurants.</a:t>
+              <a:t>Where there is a disparity between landmark price and popularity and city economics, this may also be used as an indicator for Travel companies that better value is available for their customers at a small distance from the landmark. This is information they could both use for booking hotels (for example) and pass on to their customers for selecting restaurants.</a:t>
             </a:r>
           </a:p>
         </p:txBody>
@@ -3907,7 +3892,7 @@
             </a:r>
             <a:r>
               <a:rPr lang="en-US" dirty="0"/>
-              <a:t>Information on the venues (price and popularity) near landmarks can be used to give a strong initial indicators as to the development opportunities around the landmark</a:t>
+              <a:t>Information on the venues (price and rating) near landmarks can be used to give a strong initial indicator as to the development opportunities around the landmark</a:t>
             </a:r>
           </a:p>
           <a:p>
@@ -3917,7 +3902,7 @@
             </a:r>
             <a:r>
               <a:rPr lang="en-US" dirty="0"/>
-              <a:t>What is less clear is the degree to which the resultant clustering is a purely related to the Landmarks in question or is actually a factor of the socio-economics of the area in which it is located.</a:t>
+              <a:t>What is less clear is the degree to which the resultant clustering is a purely related to the Landmarks in question (i.e. this is just an expensive area) or is actually a factor of the socio-economics of the area in which it is located.</a:t>
             </a:r>
           </a:p>
           <a:p>
@@ -4186,7 +4171,7 @@
             </a:pPr>
             <a:r>
               <a:rPr lang="en-US" dirty="0"/>
-              <a:t>These are manually selected and assembled into a suitable csv file for loading into Pandas</a:t>
+              <a:t>These are manually selected and assembled into a suitable .csv file for loading into Pandas</a:t>
             </a:r>
           </a:p>
           <a:p>
@@ -4221,6 +4206,78 @@
               <a:rPr lang="en-US" dirty="0"/>
               <a:t> venue information is likely to be available (as there are likely to be venues in the vicinity)</a:t>
             </a:r>
+          </a:p>
+          <a:p>
+            <a:pPr marL="0" indent="0">
+              <a:buNone/>
+            </a:pPr>
+            <a:r>
+              <a:rPr lang="en-US" dirty="0"/>
+              <a:t>The data required for each landmark is</a:t>
+            </a:r>
+          </a:p>
+          <a:p>
+            <a:pPr lvl="1"/>
+            <a:r>
+              <a:rPr lang="en-US" i="1" dirty="0"/>
+              <a:t>Name </a:t>
+            </a:r>
+            <a:r>
+              <a:rPr lang="en-US" dirty="0"/>
+              <a:t>– for display</a:t>
+            </a:r>
+          </a:p>
+          <a:p>
+            <a:pPr lvl="1"/>
+            <a:r>
+              <a:rPr lang="en-US" i="1" dirty="0"/>
+              <a:t>City</a:t>
+            </a:r>
+            <a:r>
+              <a:rPr lang="en-US" dirty="0"/>
+              <a:t> – for </a:t>
+            </a:r>
+            <a:r>
+              <a:rPr lang="en-US" dirty="0" err="1"/>
+              <a:t>retrieveal</a:t>
+            </a:r>
+            <a:r>
+              <a:rPr lang="en-US" dirty="0"/>
+              <a:t> of corresponding socio-economic data</a:t>
+            </a:r>
+          </a:p>
+          <a:p>
+            <a:pPr lvl="1"/>
+            <a:r>
+              <a:rPr lang="en-US" i="1" dirty="0"/>
+              <a:t>Latitude</a:t>
+            </a:r>
+            <a:r>
+              <a:rPr lang="en-US" dirty="0"/>
+              <a:t> and </a:t>
+            </a:r>
+            <a:r>
+              <a:rPr lang="en-US" i="1" dirty="0"/>
+              <a:t>Longitude</a:t>
+            </a:r>
+            <a:r>
+              <a:rPr lang="en-US" dirty="0"/>
+              <a:t> – for </a:t>
+            </a:r>
+            <a:r>
+              <a:rPr lang="en-US" dirty="0" err="1"/>
+              <a:t>FourSquare</a:t>
+            </a:r>
+            <a:r>
+              <a:rPr lang="en-US" dirty="0"/>
+              <a:t> API usage</a:t>
+            </a:r>
+          </a:p>
+          <a:p>
+            <a:pPr marL="0" indent="0">
+              <a:buNone/>
+            </a:pPr>
+            <a:endParaRPr lang="en-US" dirty="0"/>
           </a:p>
         </p:txBody>
       </p:sp>
@@ -4314,7 +4371,7 @@
             <a:pPr algn="ctr"/>
             <a:r>
               <a:rPr lang="en-US" dirty="0"/>
-              <a:t>Venue and Economic information</a:t>
+              <a:t>Venues</a:t>
             </a:r>
           </a:p>
         </p:txBody>
@@ -4355,20 +4412,41 @@
             </a:r>
             <a:r>
               <a:rPr lang="en-US" dirty="0"/>
-              <a:t> API</a:t>
+              <a:t> API. Two API calls are used </a:t>
             </a:r>
           </a:p>
           <a:p>
             <a:pPr lvl="1"/>
             <a:r>
               <a:rPr lang="en-US" dirty="0"/>
-              <a:t>Venues close to landmarks</a:t>
+              <a:t>/explore – this is used to return</a:t>
+            </a:r>
+          </a:p>
+          <a:p>
+            <a:pPr lvl="2"/>
+            <a:r>
+              <a:rPr lang="en-US" dirty="0"/>
+              <a:t>Venues of a specific category (in this case ‘food’)</a:t>
+            </a:r>
+          </a:p>
+          <a:p>
+            <a:pPr lvl="2"/>
+            <a:r>
+              <a:rPr lang="en-US" dirty="0"/>
+              <a:t>The details of this venue (from which we can specifically check for ‘Restaurant’ type)</a:t>
             </a:r>
           </a:p>
           <a:p>
             <a:pPr lvl="1"/>
             <a:r>
               <a:rPr lang="en-US" dirty="0"/>
+              <a:t>/venue – this is used to return</a:t>
+            </a:r>
+          </a:p>
+          <a:p>
+            <a:pPr lvl="2"/>
+            <a:r>
+              <a:rPr lang="en-US" dirty="0"/>
               <a:t>Price/rating attribute of these venues (this will be the initial clustering feature)</a:t>
             </a:r>
           </a:p>
@@ -4376,22 +4454,164 @@
             <a:pPr marL="0" indent="0">
               <a:buNone/>
             </a:pPr>
-            <a:endParaRPr lang="en-US" dirty="0"/>
+            <a:r>
+              <a:rPr lang="en-US" i="1" dirty="0"/>
+              <a:t>Notes</a:t>
+            </a:r>
+          </a:p>
+          <a:p>
+            <a:pPr lvl="1"/>
+            <a:r>
+              <a:rPr lang="en-US" dirty="0"/>
+              <a:t>Price and rating is unavailable from the /explore API, hence the requirement for the second call</a:t>
+            </a:r>
+          </a:p>
+          <a:p>
+            <a:pPr lvl="1"/>
+            <a:r>
+              <a:rPr lang="en-US" dirty="0"/>
+              <a:t>This means a large number of API calls will need to be made, so these may need to be stored in order to minimize repeats calls</a:t>
+            </a:r>
           </a:p>
           <a:p>
             <a:pPr marL="0" indent="0">
               <a:buNone/>
             </a:pPr>
-            <a:r>
-              <a:rPr lang="en-US" dirty="0"/>
-              <a:t>Socio-economic information </a:t>
+            <a:endParaRPr lang="en-US" dirty="0"/>
+          </a:p>
+        </p:txBody>
+      </p:sp>
+      <p:pic>
+        <p:nvPicPr>
+          <p:cNvPr id="6" name="Graphic 5" descr="Fork and knife">
+            <a:extLst>
+              <a:ext uri="{FF2B5EF4-FFF2-40B4-BE49-F238E27FC236}">
+                <a16:creationId xmlns:a16="http://schemas.microsoft.com/office/drawing/2014/main" id="{2A001D8D-DF83-EC4E-9043-82E3AC91D7D8}"/>
+              </a:ext>
+            </a:extLst>
+          </p:cNvPr>
+          <p:cNvPicPr>
+            <a:picLocks noChangeAspect="1"/>
+          </p:cNvPicPr>
+          <p:nvPr/>
+        </p:nvPicPr>
+        <p:blipFill>
+          <a:blip r:embed="rId2">
+            <a:extLst>
+              <a:ext uri="{96DAC541-7B7A-43D3-8B79-37D633B846F1}">
+                <asvg:svgBlip xmlns:asvg="http://schemas.microsoft.com/office/drawing/2016/SVG/main" r:embed="rId3"/>
+              </a:ext>
+            </a:extLst>
+          </a:blip>
+          <a:stretch>
+            <a:fillRect/>
+          </a:stretch>
+        </p:blipFill>
+        <p:spPr>
+          <a:xfrm>
+            <a:off x="1121292" y="4157132"/>
+            <a:ext cx="1210735" cy="1210735"/>
+          </a:xfrm>
+          <a:prstGeom prst="rect">
+            <a:avLst/>
+          </a:prstGeom>
+        </p:spPr>
+      </p:pic>
+    </p:spTree>
+    <p:extLst>
+      <p:ext uri="{BB962C8B-B14F-4D97-AF65-F5344CB8AC3E}">
+        <p14:creationId xmlns:p14="http://schemas.microsoft.com/office/powerpoint/2010/main" val="3902266661"/>
+      </p:ext>
+    </p:extLst>
+  </p:cSld>
+  <p:clrMapOvr>
+    <a:masterClrMapping/>
+  </p:clrMapOvr>
+</p:sld>
+</file>
+
+<file path=ppt/slides/slide8.xml><?xml version="1.0" encoding="utf-8"?>
+<p:sld xmlns:a="http://schemas.openxmlformats.org/drawingml/2006/main" xmlns:r="http://schemas.openxmlformats.org/officeDocument/2006/relationships" xmlns:p="http://schemas.openxmlformats.org/presentationml/2006/main">
+  <p:cSld>
+    <p:spTree>
+      <p:nvGrpSpPr>
+        <p:cNvPr id="1" name=""/>
+        <p:cNvGrpSpPr/>
+        <p:nvPr/>
+      </p:nvGrpSpPr>
+      <p:grpSpPr>
+        <a:xfrm>
+          <a:off x="0" y="0"/>
+          <a:ext cx="0" cy="0"/>
+          <a:chOff x="0" y="0"/>
+          <a:chExt cx="0" cy="0"/>
+        </a:xfrm>
+      </p:grpSpPr>
+      <p:sp>
+        <p:nvSpPr>
+          <p:cNvPr id="2" name="Title 1">
+            <a:extLst>
+              <a:ext uri="{FF2B5EF4-FFF2-40B4-BE49-F238E27FC236}">
+                <a16:creationId xmlns:a16="http://schemas.microsoft.com/office/drawing/2014/main" id="{5A81677D-9452-CC43-ADF4-C7638565A4B2}"/>
+              </a:ext>
+            </a:extLst>
+          </p:cNvPr>
+          <p:cNvSpPr>
+            <a:spLocks noGrp="1"/>
+          </p:cNvSpPr>
+          <p:nvPr>
+            <p:ph type="title"/>
+          </p:nvPr>
+        </p:nvSpPr>
+        <p:spPr/>
+        <p:txBody>
+          <a:bodyPr/>
+          <a:lstStyle/>
+          <a:p>
+            <a:pPr algn="ctr"/>
+            <a:r>
+              <a:rPr lang="en-US" dirty="0"/>
+              <a:t>City economic information</a:t>
+            </a:r>
+          </a:p>
+        </p:txBody>
+      </p:sp>
+      <p:sp>
+        <p:nvSpPr>
+          <p:cNvPr id="3" name="Content Placeholder 2">
+            <a:extLst>
+              <a:ext uri="{FF2B5EF4-FFF2-40B4-BE49-F238E27FC236}">
+                <a16:creationId xmlns:a16="http://schemas.microsoft.com/office/drawing/2014/main" id="{ACD51A18-36EF-3244-8E44-261203BA438F}"/>
+              </a:ext>
+            </a:extLst>
+          </p:cNvPr>
+          <p:cNvSpPr>
+            <a:spLocks noGrp="1"/>
+          </p:cNvSpPr>
+          <p:nvPr>
+            <p:ph idx="1"/>
+          </p:nvPr>
+        </p:nvSpPr>
+        <p:spPr/>
+        <p:txBody>
+          <a:bodyPr>
+            <a:normAutofit/>
+          </a:bodyPr>
+          <a:lstStyle/>
+          <a:p>
+            <a:pPr marL="0" indent="0">
+              <a:buNone/>
+            </a:pPr>
+            <a:r>
+              <a:rPr lang="en-US" dirty="0"/>
+              <a:t>Europa</a:t>
             </a:r>
           </a:p>
           <a:p>
             <a:pPr lvl="1"/>
             <a:r>
               <a:rPr lang="en-US" dirty="0"/>
-              <a:t>Many data sets are available free from http://</a:t>
+              <a:t>Many data sets are available free at http://</a:t>
             </a:r>
             <a:r>
               <a:rPr lang="en-US" dirty="0" err="1"/>
@@ -4399,18 +4619,64 @@
             </a:r>
             <a:r>
               <a:rPr lang="en-US" dirty="0"/>
-              <a:t> but these are often incomplete and limited</a:t>
+              <a:t> </a:t>
             </a:r>
           </a:p>
           <a:p>
             <a:pPr lvl="1"/>
+            <a:r>
+              <a:rPr lang="en-US" dirty="0"/>
+              <a:t>These are often incomplete and limited however</a:t>
+            </a:r>
+          </a:p>
+          <a:p>
+            <a:pPr lvl="1"/>
+            <a:r>
+              <a:rPr lang="en-US" dirty="0"/>
+              <a:t>So,  though considered will </a:t>
+            </a:r>
+            <a:r>
+              <a:rPr lang="en-US" b="1" dirty="0"/>
+              <a:t>not</a:t>
+            </a:r>
+            <a:r>
+              <a:rPr lang="en-US" dirty="0"/>
+              <a:t> be used</a:t>
+            </a:r>
+          </a:p>
+          <a:p>
+            <a:pPr marL="0" indent="0">
+              <a:buNone/>
+            </a:pPr>
             <a:r>
               <a:rPr lang="en-US" dirty="0" err="1"/>
               <a:t>Numbeo</a:t>
             </a:r>
-            <a:r>
-              <a:rPr lang="en-US" dirty="0"/>
-              <a:t> offer free data via a browser, but charge for their API, so data instead is scraped manually and downloaded as required. Specifically the data includes</a:t>
+            <a:endParaRPr lang="en-US" dirty="0"/>
+          </a:p>
+          <a:p>
+            <a:pPr lvl="1"/>
+            <a:r>
+              <a:rPr lang="en-US" dirty="0" err="1"/>
+              <a:t>Numbeo</a:t>
+            </a:r>
+            <a:r>
+              <a:rPr lang="en-US" dirty="0"/>
+              <a:t> offer free data via a browser, but charge for their API</a:t>
+            </a:r>
+          </a:p>
+          <a:p>
+            <a:pPr lvl="1"/>
+            <a:r>
+              <a:rPr lang="en-US" dirty="0"/>
+              <a:t>So data instead is scraped manually and downloaded as required.</a:t>
+            </a:r>
+          </a:p>
+          <a:p>
+            <a:pPr lvl="1"/>
+            <a:r>
+              <a:rPr lang="en-US" dirty="0"/>
+              <a:t>Specifically the data includes (of interest to us)</a:t>
             </a:r>
           </a:p>
           <a:p>
@@ -4421,11 +4687,57 @@
             </a:r>
           </a:p>
           <a:p>
+            <a:pPr lvl="3"/>
+            <a:r>
+              <a:rPr lang="en-US" i="1" dirty="0"/>
+              <a:t>City</a:t>
+            </a:r>
+          </a:p>
+          <a:p>
+            <a:pPr lvl="3"/>
+            <a:r>
+              <a:rPr lang="en-US" i="1" dirty="0"/>
+              <a:t>Cost of Living Index</a:t>
+            </a:r>
+          </a:p>
+          <a:p>
+            <a:pPr lvl="3"/>
+            <a:r>
+              <a:rPr lang="en-US" i="1" dirty="0"/>
+              <a:t>Rent Index</a:t>
+            </a:r>
+          </a:p>
+          <a:p>
+            <a:pPr lvl="3"/>
+            <a:r>
+              <a:rPr lang="en-US" i="1" dirty="0"/>
+              <a:t>Restaurant Price index</a:t>
+            </a:r>
+          </a:p>
+          <a:p>
             <a:pPr lvl="2"/>
             <a:r>
               <a:rPr lang="en-US" dirty="0"/>
               <a:t>Salary indicators</a:t>
             </a:r>
+          </a:p>
+          <a:p>
+            <a:pPr lvl="3"/>
+            <a:r>
+              <a:rPr lang="en-US" i="1" dirty="0"/>
+              <a:t>City </a:t>
+            </a:r>
+          </a:p>
+          <a:p>
+            <a:pPr lvl="3"/>
+            <a:r>
+              <a:rPr lang="en-US" i="1" dirty="0"/>
+              <a:t>Salary</a:t>
+            </a:r>
+          </a:p>
+          <a:p>
+            <a:pPr lvl="2"/>
+            <a:endParaRPr lang="en-US" dirty="0"/>
           </a:p>
         </p:txBody>
       </p:sp>
@@ -4468,7 +4780,7 @@
     </p:spTree>
     <p:extLst>
       <p:ext uri="{BB962C8B-B14F-4D97-AF65-F5344CB8AC3E}">
-        <p14:creationId xmlns:p14="http://schemas.microsoft.com/office/powerpoint/2010/main" val="3902266661"/>
+        <p14:creationId xmlns:p14="http://schemas.microsoft.com/office/powerpoint/2010/main" val="1116880503"/>
       </p:ext>
     </p:extLst>
   </p:cSld>
